--- a/Baseball/C++_프로젝트_야구게임.pptx
+++ b/Baseball/C++_프로젝트_야구게임.pptx
@@ -6,10 +6,10 @@
     <p:sldMasterId id="2147483658" r:id="rId2"/>
   </p:sldMasterIdLst>
   <p:notesMasterIdLst>
-    <p:notesMasterId r:id="rId14"/>
+    <p:notesMasterId r:id="rId15"/>
   </p:notesMasterIdLst>
   <p:handoutMasterIdLst>
-    <p:handoutMasterId r:id="rId15"/>
+    <p:handoutMasterId r:id="rId16"/>
   </p:handoutMasterIdLst>
   <p:sldIdLst>
     <p:sldId id="286" r:id="rId3"/>
@@ -18,16 +18,17 @@
     <p:sldId id="3576" r:id="rId6"/>
     <p:sldId id="3577" r:id="rId7"/>
     <p:sldId id="3578" r:id="rId8"/>
-    <p:sldId id="3579" r:id="rId9"/>
-    <p:sldId id="3580" r:id="rId10"/>
-    <p:sldId id="3581" r:id="rId11"/>
-    <p:sldId id="3582" r:id="rId12"/>
-    <p:sldId id="3583" r:id="rId13"/>
+    <p:sldId id="3584" r:id="rId9"/>
+    <p:sldId id="3579" r:id="rId10"/>
+    <p:sldId id="3580" r:id="rId11"/>
+    <p:sldId id="3581" r:id="rId12"/>
+    <p:sldId id="3582" r:id="rId13"/>
+    <p:sldId id="3583" r:id="rId14"/>
   </p:sldIdLst>
   <p:sldSz cx="12192000" cy="6858000"/>
   <p:notesSz cx="6858000" cy="9144000"/>
   <p:custDataLst>
-    <p:tags r:id="rId16"/>
+    <p:tags r:id="rId17"/>
   </p:custDataLst>
   <p:defaultTextStyle>
     <a:defPPr>
@@ -245,7 +246,7 @@
           <a:p>
             <a:fld id="{CFBC16ED-C981-4996-AD69-562AFDF045D8}" type="datetimeFigureOut">
               <a:rPr lang="zh-CN" altLang="en-US" smtClean="0"/>
-              <a:t>2024/2/11</a:t>
+              <a:t>2024/2/13</a:t>
             </a:fld>
             <a:endParaRPr lang="zh-CN" altLang="en-US"/>
           </a:p>
@@ -422,7 +423,7 @@
           <a:p>
             <a:fld id="{3A6DFB1D-ABE1-43A9-9A76-5F7CC388CE20}" type="datetimeFigureOut">
               <a:rPr lang="zh-CN" altLang="en-US" smtClean="0"/>
-              <a:t>2024/2/11</a:t>
+              <a:t>2024/2/13</a:t>
             </a:fld>
             <a:endParaRPr lang="zh-CN" altLang="en-US"/>
           </a:p>
@@ -1167,7 +1168,7 @@
           <a:p>
             <a:fld id="{3A4D203C-28B5-4C78-8629-A14167E201D0}" type="slidenum">
               <a:rPr lang="zh-CN" altLang="en-US" smtClean="0"/>
-              <a:t>8</a:t>
+              <a:t>9</a:t>
             </a:fld>
             <a:endParaRPr lang="zh-CN" altLang="en-US"/>
           </a:p>
@@ -1251,7 +1252,7 @@
           <a:p>
             <a:fld id="{3A4D203C-28B5-4C78-8629-A14167E201D0}" type="slidenum">
               <a:rPr lang="zh-CN" altLang="en-US" smtClean="0"/>
-              <a:t>10</a:t>
+              <a:t>11</a:t>
             </a:fld>
             <a:endParaRPr lang="zh-CN" altLang="en-US"/>
           </a:p>
@@ -2879,7 +2880,7 @@
                 <a:latin typeface="NanumGothic"/>
                 <a:ea typeface="NanumGothic"/>
               </a:rPr>
-              <a:t>02/11/2024</a:t>
+              <a:t>02/13/2024</a:t>
             </a:fld>
             <a:endParaRPr lang="zh-CN" altLang="en-US"/>
           </a:p>
@@ -5385,6 +5386,471 @@
       </p:grpSpPr>
       <p:sp>
         <p:nvSpPr>
+          <p:cNvPr id="4" name="타원 3"/>
+          <p:cNvSpPr/>
+          <p:nvPr/>
+        </p:nvSpPr>
+        <p:spPr>
+          <a:xfrm>
+            <a:off x="4190260" y="2725446"/>
+            <a:ext cx="230820" cy="248574"/>
+          </a:xfrm>
+          <a:prstGeom prst="ellipse">
+            <a:avLst/>
+          </a:prstGeom>
+          <a:solidFill>
+            <a:schemeClr val="bg1"/>
+          </a:solidFill>
+          <a:ln>
+            <a:solidFill>
+              <a:schemeClr val="bg1"/>
+            </a:solidFill>
+          </a:ln>
+        </p:spPr>
+        <p:style>
+          <a:lnRef idx="2">
+            <a:schemeClr val="accent1">
+              <a:shade val="50000"/>
+            </a:schemeClr>
+          </a:lnRef>
+          <a:fillRef idx="1">
+            <a:schemeClr val="accent1"/>
+          </a:fillRef>
+          <a:effectRef idx="0">
+            <a:schemeClr val="accent1"/>
+          </a:effectRef>
+          <a:fontRef idx="minor">
+            <a:schemeClr val="lt1"/>
+          </a:fontRef>
+        </p:style>
+        <p:txBody>
+          <a:bodyPr rtlCol="0" anchor="ctr"/>
+          <a:lstStyle/>
+          <a:p>
+            <a:pPr algn="ctr"/>
+            <a:endParaRPr lang="ko-KR" altLang="en-US">
+              <a:solidFill>
+                <a:schemeClr val="bg1"/>
+              </a:solidFill>
+            </a:endParaRPr>
+          </a:p>
+        </p:txBody>
+      </p:sp>
+      <p:sp>
+        <p:nvSpPr>
+          <p:cNvPr id="5" name="직사각형 4"/>
+          <p:cNvSpPr/>
+          <p:nvPr/>
+        </p:nvSpPr>
+        <p:spPr>
+          <a:xfrm>
+            <a:off x="3568823" y="2336329"/>
+            <a:ext cx="337351" cy="311210"/>
+          </a:xfrm>
+          <a:prstGeom prst="rect">
+            <a:avLst/>
+          </a:prstGeom>
+          <a:solidFill>
+            <a:schemeClr val="bg1"/>
+          </a:solidFill>
+          <a:ln>
+            <a:solidFill>
+              <a:schemeClr val="bg1"/>
+            </a:solidFill>
+          </a:ln>
+        </p:spPr>
+        <p:style>
+          <a:lnRef idx="2">
+            <a:schemeClr val="accent1">
+              <a:shade val="50000"/>
+            </a:schemeClr>
+          </a:lnRef>
+          <a:fillRef idx="1">
+            <a:schemeClr val="accent1"/>
+          </a:fillRef>
+          <a:effectRef idx="0">
+            <a:schemeClr val="accent1"/>
+          </a:effectRef>
+          <a:fontRef idx="minor">
+            <a:schemeClr val="lt1"/>
+          </a:fontRef>
+        </p:style>
+        <p:txBody>
+          <a:bodyPr rtlCol="0" anchor="ctr"/>
+          <a:lstStyle/>
+          <a:p>
+            <a:pPr algn="ctr"/>
+            <a:endParaRPr lang="ko-KR" altLang="en-US"/>
+          </a:p>
+        </p:txBody>
+      </p:sp>
+      <p:sp>
+        <p:nvSpPr>
+          <p:cNvPr id="6" name="오른쪽 화살표 5"/>
+          <p:cNvSpPr/>
+          <p:nvPr/>
+        </p:nvSpPr>
+        <p:spPr>
+          <a:xfrm>
+            <a:off x="5885896" y="2201662"/>
+            <a:ext cx="896645" cy="445877"/>
+          </a:xfrm>
+          <a:prstGeom prst="rightArrow">
+            <a:avLst/>
+          </a:prstGeom>
+          <a:solidFill>
+            <a:srgbClr val="0070C0"/>
+          </a:solidFill>
+          <a:effectLst>
+            <a:outerShdw blurRad="50800" dist="38100" dir="2700000" algn="tl" rotWithShape="0">
+              <a:prstClr val="black">
+                <a:alpha val="40000"/>
+              </a:prstClr>
+            </a:outerShdw>
+          </a:effectLst>
+        </p:spPr>
+        <p:style>
+          <a:lnRef idx="2">
+            <a:schemeClr val="accent1">
+              <a:shade val="50000"/>
+            </a:schemeClr>
+          </a:lnRef>
+          <a:fillRef idx="1">
+            <a:schemeClr val="accent1"/>
+          </a:fillRef>
+          <a:effectRef idx="0">
+            <a:schemeClr val="accent1"/>
+          </a:effectRef>
+          <a:fontRef idx="minor">
+            <a:schemeClr val="lt1"/>
+          </a:fontRef>
+        </p:style>
+        <p:txBody>
+          <a:bodyPr rtlCol="0" anchor="ctr"/>
+          <a:lstStyle/>
+          <a:p>
+            <a:pPr algn="ctr"/>
+            <a:endParaRPr lang="ko-KR" altLang="en-US"/>
+          </a:p>
+        </p:txBody>
+      </p:sp>
+      <p:sp>
+        <p:nvSpPr>
+          <p:cNvPr id="7" name="TextBox 6"/>
+          <p:cNvSpPr txBox="1"/>
+          <p:nvPr/>
+        </p:nvSpPr>
+        <p:spPr>
+          <a:xfrm>
+            <a:off x="1580931" y="3692843"/>
+            <a:ext cx="8477470" cy="2308324"/>
+          </a:xfrm>
+          <a:prstGeom prst="rect">
+            <a:avLst/>
+          </a:prstGeom>
+          <a:noFill/>
+        </p:spPr>
+        <p:txBody>
+          <a:bodyPr wrap="square" rtlCol="0">
+            <a:spAutoFit/>
+          </a:bodyPr>
+          <a:lstStyle/>
+          <a:p>
+            <a:r>
+              <a:rPr lang="ko-KR" altLang="en-US" dirty="0" smtClean="0"/>
+              <a:t>초기에는 </a:t>
+            </a:r>
+            <a:r>
+              <a:rPr lang="en-US" altLang="ko-KR" dirty="0" smtClean="0"/>
+              <a:t>rand</a:t>
+            </a:r>
+            <a:r>
+              <a:rPr lang="ko-KR" altLang="en-US" dirty="0" smtClean="0"/>
+              <a:t>함수를 사용하여 </a:t>
+            </a:r>
+            <a:r>
+              <a:rPr lang="en-US" altLang="ko-KR" dirty="0" smtClean="0"/>
+              <a:t>1</a:t>
+            </a:r>
+            <a:r>
+              <a:rPr lang="ko-KR" altLang="en-US" dirty="0" smtClean="0"/>
+              <a:t>부터 </a:t>
+            </a:r>
+            <a:r>
+              <a:rPr lang="en-US" altLang="ko-KR" dirty="0" smtClean="0"/>
+              <a:t>9</a:t>
+            </a:r>
+            <a:r>
+              <a:rPr lang="ko-KR" altLang="en-US" dirty="0" smtClean="0"/>
+              <a:t>까지의 숫자를 </a:t>
+            </a:r>
+            <a:r>
+              <a:rPr lang="en-US" altLang="ko-KR" dirty="0" err="1" smtClean="0"/>
+              <a:t>com_num</a:t>
+            </a:r>
+            <a:r>
+              <a:rPr lang="ko-KR" altLang="en-US" dirty="0" smtClean="0"/>
+              <a:t>에 </a:t>
+            </a:r>
+            <a:r>
+              <a:rPr lang="ko-KR" altLang="en-US" dirty="0" err="1" smtClean="0"/>
+              <a:t>입력받았다</a:t>
+            </a:r>
+            <a:r>
+              <a:rPr lang="en-US" altLang="ko-KR" dirty="0" smtClean="0"/>
+              <a:t>. </a:t>
+            </a:r>
+            <a:r>
+              <a:rPr lang="ko-KR" altLang="en-US" dirty="0" smtClean="0"/>
+              <a:t>그 후 </a:t>
+            </a:r>
+            <a:r>
+              <a:rPr lang="en-US" altLang="ko-KR" dirty="0" smtClean="0"/>
+              <a:t>unique</a:t>
+            </a:r>
+            <a:r>
+              <a:rPr lang="ko-KR" altLang="en-US" dirty="0" smtClean="0"/>
+              <a:t>함수를 통해 중복을 제거하는 방식으로 코드를 작성했다</a:t>
+            </a:r>
+            <a:r>
+              <a:rPr lang="en-US" altLang="ko-KR" dirty="0" smtClean="0"/>
+              <a:t>.</a:t>
+            </a:r>
+          </a:p>
+          <a:p>
+            <a:endParaRPr lang="en-US" altLang="ko-KR" dirty="0" smtClean="0"/>
+          </a:p>
+          <a:p>
+            <a:r>
+              <a:rPr lang="ko-KR" altLang="en-US" dirty="0" smtClean="0"/>
+              <a:t>하지만 중복 제거 코드의 길이가 상당히 길어졌고</a:t>
+            </a:r>
+            <a:r>
+              <a:rPr lang="en-US" altLang="ko-KR" dirty="0" smtClean="0"/>
+              <a:t>, </a:t>
+            </a:r>
+            <a:r>
+              <a:rPr lang="ko-KR" altLang="en-US" dirty="0" smtClean="0"/>
+              <a:t>이를 개선하기 위해 </a:t>
+            </a:r>
+            <a:r>
+              <a:rPr lang="en-US" altLang="ko-KR" dirty="0" smtClean="0"/>
+              <a:t>algorithm </a:t>
+            </a:r>
+            <a:r>
+              <a:rPr lang="ko-KR" altLang="en-US" dirty="0" smtClean="0"/>
+              <a:t>라이브러리의 </a:t>
+            </a:r>
+            <a:r>
+              <a:rPr lang="en-US" altLang="ko-KR" dirty="0" err="1" smtClean="0"/>
+              <a:t>random_shuffle</a:t>
+            </a:r>
+            <a:r>
+              <a:rPr lang="ko-KR" altLang="en-US" dirty="0" smtClean="0"/>
+              <a:t>함수를 사용하여</a:t>
+            </a:r>
+            <a:r>
+              <a:rPr lang="en-US" altLang="ko-KR" dirty="0" smtClean="0"/>
+              <a:t> </a:t>
+            </a:r>
+            <a:r>
+              <a:rPr lang="ko-KR" altLang="en-US" dirty="0" smtClean="0"/>
+              <a:t>벡터를 무작위로 섞는 방식을 선정했다</a:t>
+            </a:r>
+            <a:r>
+              <a:rPr lang="en-US" altLang="ko-KR" dirty="0" smtClean="0"/>
+              <a:t>.</a:t>
+            </a:r>
+          </a:p>
+          <a:p>
+            <a:r>
+              <a:rPr lang="ko-KR" altLang="en-US" dirty="0" smtClean="0"/>
+              <a:t>그 후</a:t>
+            </a:r>
+            <a:r>
+              <a:rPr lang="en-US" altLang="ko-KR" dirty="0" smtClean="0"/>
+              <a:t>,</a:t>
+            </a:r>
+            <a:r>
+              <a:rPr lang="ko-KR" altLang="en-US" dirty="0" smtClean="0"/>
+              <a:t> </a:t>
+            </a:r>
+            <a:r>
+              <a:rPr lang="en-US" altLang="ko-KR" dirty="0" smtClean="0"/>
+              <a:t>v1</a:t>
+            </a:r>
+            <a:r>
+              <a:rPr lang="ko-KR" altLang="en-US" dirty="0" smtClean="0"/>
+              <a:t>벡터의 </a:t>
+            </a:r>
+            <a:r>
+              <a:rPr lang="en-US" altLang="ko-KR" dirty="0" smtClean="0"/>
+              <a:t>0,1,2</a:t>
+            </a:r>
+            <a:r>
+              <a:rPr lang="ko-KR" altLang="en-US" dirty="0" smtClean="0"/>
+              <a:t>번 인덱스에 해당하는 값을 추출하여 </a:t>
+            </a:r>
+            <a:r>
+              <a:rPr lang="ko-KR" altLang="en-US" dirty="0" smtClean="0"/>
+              <a:t>중복 없는 임의의 숫자 </a:t>
+            </a:r>
+            <a:r>
+              <a:rPr lang="en-US" altLang="ko-KR" dirty="0" smtClean="0"/>
+              <a:t>3</a:t>
+            </a:r>
+            <a:r>
+              <a:rPr lang="ko-KR" altLang="en-US" dirty="0" smtClean="0"/>
+              <a:t>개를 추출할 수 있었다</a:t>
+            </a:r>
+            <a:r>
+              <a:rPr lang="en-US" altLang="ko-KR" dirty="0" smtClean="0"/>
+              <a:t>.</a:t>
+            </a:r>
+            <a:endParaRPr lang="en-US" altLang="ko-KR" dirty="0" smtClean="0"/>
+          </a:p>
+        </p:txBody>
+      </p:sp>
+      <p:sp>
+        <p:nvSpPr>
+          <p:cNvPr id="10" name="矩形 9">
+            <a:extLst>
+              <a:ext uri="{FF2B5EF4-FFF2-40B4-BE49-F238E27FC236}">
+                <a16:creationId xmlns:a16="http://schemas.microsoft.com/office/drawing/2014/main" id="{7A300C78-2589-4F09-B093-850A10B5F87D}"/>
+              </a:ext>
+            </a:extLst>
+          </p:cNvPr>
+          <p:cNvSpPr/>
+          <p:nvPr/>
+        </p:nvSpPr>
+        <p:spPr>
+          <a:xfrm>
+            <a:off x="827161" y="224657"/>
+            <a:ext cx="3878003" cy="754334"/>
+          </a:xfrm>
+          <a:prstGeom prst="rect">
+            <a:avLst/>
+          </a:prstGeom>
+        </p:spPr>
+        <p:txBody>
+          <a:bodyPr wrap="none">
+            <a:noAutofit/>
+          </a:bodyPr>
+          <a:lstStyle/>
+          <a:p>
+            <a:r>
+              <a:rPr lang="ko-KR" altLang="en-US" sz="3200" b="1" dirty="0" smtClean="0">
+                <a:latin typeface="NanumGothic"/>
+                <a:ea typeface="NanumGothic"/>
+                <a:sym typeface="思源黑体旧字形 Light" panose="020B0300000000000000" pitchFamily="34" charset="-128"/>
+              </a:rPr>
+              <a:t>코드 개선</a:t>
+            </a:r>
+            <a:endParaRPr lang="ko-KO" altLang="ko-KO" sz="3200" b="1" dirty="0">
+              <a:latin typeface="NanumGothic"/>
+              <a:ea typeface="NanumGothic"/>
+              <a:sym typeface="思源黑体旧字形 Light" panose="020B0300000000000000" pitchFamily="34" charset="-128"/>
+            </a:endParaRPr>
+          </a:p>
+        </p:txBody>
+      </p:sp>
+      <p:pic>
+        <p:nvPicPr>
+          <p:cNvPr id="2" name="그림 1"/>
+          <p:cNvPicPr>
+            <a:picLocks noChangeAspect="1"/>
+          </p:cNvPicPr>
+          <p:nvPr/>
+        </p:nvPicPr>
+        <p:blipFill rotWithShape="1">
+          <a:blip r:embed="rId2"/>
+          <a:srcRect r="6819"/>
+          <a:stretch/>
+        </p:blipFill>
+        <p:spPr>
+          <a:xfrm>
+            <a:off x="1474162" y="1778784"/>
+            <a:ext cx="4217978" cy="1501270"/>
+          </a:xfrm>
+          <a:prstGeom prst="rect">
+            <a:avLst/>
+          </a:prstGeom>
+        </p:spPr>
+      </p:pic>
+      <p:pic>
+        <p:nvPicPr>
+          <p:cNvPr id="8" name="그림 7"/>
+          <p:cNvPicPr>
+            <a:picLocks noChangeAspect="1"/>
+          </p:cNvPicPr>
+          <p:nvPr/>
+        </p:nvPicPr>
+        <p:blipFill rotWithShape="1">
+          <a:blip r:embed="rId3"/>
+          <a:srcRect r="5355"/>
+          <a:stretch/>
+        </p:blipFill>
+        <p:spPr>
+          <a:xfrm>
+            <a:off x="6976297" y="2018603"/>
+            <a:ext cx="5027341" cy="946662"/>
+          </a:xfrm>
+          <a:prstGeom prst="rect">
+            <a:avLst/>
+          </a:prstGeom>
+        </p:spPr>
+      </p:pic>
+    </p:spTree>
+    <p:extLst>
+      <p:ext uri="{BB962C8B-B14F-4D97-AF65-F5344CB8AC3E}">
+        <p14:creationId xmlns:p14="http://schemas.microsoft.com/office/powerpoint/2010/main" val="2286485262"/>
+      </p:ext>
+    </p:extLst>
+  </p:cSld>
+  <p:clrMapOvr>
+    <a:masterClrMapping/>
+  </p:clrMapOvr>
+  <mc:AlternateContent xmlns:mc="http://schemas.openxmlformats.org/markup-compatibility/2006" xmlns:p14="http://schemas.microsoft.com/office/powerpoint/2010/main">
+    <mc:Choice Requires="p14">
+      <p:transition spd="slow" p14:dur="1200" advTm="2000">
+        <p14:prism/>
+      </p:transition>
+    </mc:Choice>
+    <mc:Fallback xmlns:p159="http://schemas.microsoft.com/office/powerpoint/2015/09/main" xmlns:p15="http://schemas.microsoft.com/office/powerpoint/2012/main" xmlns:a14="http://schemas.microsoft.com/office/drawing/2010/main" xmlns:wp="http://schemas.openxmlformats.org/drawingml/2006/wordprocessingDrawing" xmlns:w="http://schemas.openxmlformats.org/wordprocessingml/2006/main" xmlns:m="http://schemas.openxmlformats.org/officeDocument/2006/math" xmlns="">
+      <p:transition spd="slow" advTm="2000">
+        <p:fade/>
+      </p:transition>
+    </mc:Fallback>
+  </mc:AlternateContent>
+  <p:timing>
+    <p:tnLst>
+      <p:par>
+        <p:cTn id="1" dur="indefinite" restart="never" nodeType="tmRoot"/>
+      </p:par>
+    </p:tnLst>
+  </p:timing>
+</p:sld>
+</file>
+
+<file path=ppt/slides/slide11.xml><?xml version="1.0" encoding="utf-8"?>
+<p:sld xmlns:a="http://schemas.openxmlformats.org/drawingml/2006/main" xmlns:r="http://schemas.openxmlformats.org/officeDocument/2006/relationships" xmlns:p="http://schemas.openxmlformats.org/presentationml/2006/main">
+  <p:cSld>
+    <p:spTree>
+      <p:nvGrpSpPr>
+        <p:cNvPr id="1" name=""/>
+        <p:cNvGrpSpPr/>
+        <p:nvPr/>
+      </p:nvGrpSpPr>
+      <p:grpSpPr>
+        <a:xfrm>
+          <a:off x="0" y="0"/>
+          <a:ext cx="0" cy="0"/>
+          <a:chOff x="0" y="0"/>
+          <a:chExt cx="0" cy="0"/>
+        </a:xfrm>
+      </p:grpSpPr>
+      <p:sp>
+        <p:nvSpPr>
           <p:cNvPr id="10" name="椭圆 9"/>
           <p:cNvSpPr/>
           <p:nvPr/>
@@ -6981,7 +7447,7 @@
 </p:sld>
 </file>
 
-<file path=ppt/slides/slide11.xml><?xml version="1.0" encoding="utf-8"?>
+<file path=ppt/slides/slide12.xml><?xml version="1.0" encoding="utf-8"?>
 <p:sld xmlns:a="http://schemas.openxmlformats.org/drawingml/2006/main" xmlns:r="http://schemas.openxmlformats.org/officeDocument/2006/relationships" xmlns:p="http://schemas.openxmlformats.org/presentationml/2006/main">
   <p:cSld>
     <p:spTree>
@@ -7104,6 +7570,13 @@
       </p:transition>
     </mc:Fallback>
   </mc:AlternateContent>
+  <p:timing>
+    <p:tnLst>
+      <p:par>
+        <p:cTn id="1" dur="indefinite" restart="never" nodeType="tmRoot"/>
+      </p:par>
+    </p:tnLst>
+  </p:timing>
 </p:sld>
 </file>
 
@@ -7766,7 +8239,7 @@
           </p:spPr>
           <p:txBody>
             <a:bodyPr wrap="square" rtlCol="0">
-              <a:normAutofit/>
+              <a:normAutofit fontScale="92500"/>
             </a:bodyPr>
             <a:lstStyle/>
             <a:p>
@@ -10902,7 +11375,7 @@
         </p:spPr>
         <p:txBody>
           <a:bodyPr wrap="square" rtlCol="0">
-            <a:normAutofit fontScale="62500" lnSpcReduction="20000"/>
+            <a:normAutofit fontScale="55000" lnSpcReduction="20000"/>
           </a:bodyPr>
           <a:lstStyle/>
           <a:p>
@@ -12465,54 +12938,6 @@
           <a:chExt cx="0" cy="0"/>
         </a:xfrm>
       </p:grpSpPr>
-      <p:pic>
-        <p:nvPicPr>
-          <p:cNvPr id="4" name="그림 3"/>
-          <p:cNvPicPr preferRelativeResize="0">
-            <a:picLocks/>
-          </p:cNvPicPr>
-          <p:nvPr/>
-        </p:nvPicPr>
-        <p:blipFill>
-          <a:blip r:embed="rId2"/>
-          <a:stretch>
-            <a:fillRect/>
-          </a:stretch>
-        </p:blipFill>
-        <p:spPr>
-          <a:xfrm>
-            <a:off x="1198864" y="900354"/>
-            <a:ext cx="4320000" cy="5400000"/>
-          </a:xfrm>
-          <a:prstGeom prst="rect">
-            <a:avLst/>
-          </a:prstGeom>
-        </p:spPr>
-      </p:pic>
-      <p:pic>
-        <p:nvPicPr>
-          <p:cNvPr id="6" name="그림 5"/>
-          <p:cNvPicPr preferRelativeResize="0">
-            <a:picLocks/>
-          </p:cNvPicPr>
-          <p:nvPr/>
-        </p:nvPicPr>
-        <p:blipFill>
-          <a:blip r:embed="rId3"/>
-          <a:stretch>
-            <a:fillRect/>
-          </a:stretch>
-        </p:blipFill>
-        <p:spPr>
-          <a:xfrm>
-            <a:off x="6666997" y="900354"/>
-            <a:ext cx="4320000" cy="5400000"/>
-          </a:xfrm>
-          <a:prstGeom prst="rect">
-            <a:avLst/>
-          </a:prstGeom>
-        </p:spPr>
-      </p:pic>
       <p:sp>
         <p:nvSpPr>
           <p:cNvPr id="7" name="矩形 9">
@@ -12660,6 +13085,101 @@
           </a:p>
         </p:txBody>
       </p:sp>
+      <p:pic>
+        <p:nvPicPr>
+          <p:cNvPr id="2" name="그림 1"/>
+          <p:cNvPicPr>
+            <a:picLocks noChangeAspect="1"/>
+          </p:cNvPicPr>
+          <p:nvPr/>
+        </p:nvPicPr>
+        <p:blipFill rotWithShape="1">
+          <a:blip r:embed="rId2"/>
+          <a:srcRect r="15626"/>
+          <a:stretch/>
+        </p:blipFill>
+        <p:spPr>
+          <a:xfrm>
+            <a:off x="614396" y="1347794"/>
+            <a:ext cx="5272885" cy="3583021"/>
+          </a:xfrm>
+          <a:prstGeom prst="rect">
+            <a:avLst/>
+          </a:prstGeom>
+        </p:spPr>
+      </p:pic>
+      <p:pic>
+        <p:nvPicPr>
+          <p:cNvPr id="3" name="그림 2"/>
+          <p:cNvPicPr>
+            <a:picLocks noChangeAspect="1"/>
+          </p:cNvPicPr>
+          <p:nvPr/>
+        </p:nvPicPr>
+        <p:blipFill>
+          <a:blip r:embed="rId3"/>
+          <a:stretch>
+            <a:fillRect/>
+          </a:stretch>
+        </p:blipFill>
+        <p:spPr>
+          <a:xfrm>
+            <a:off x="6156538" y="1197322"/>
+            <a:ext cx="5637074" cy="3883964"/>
+          </a:xfrm>
+          <a:prstGeom prst="rect">
+            <a:avLst/>
+          </a:prstGeom>
+        </p:spPr>
+      </p:pic>
+      <p:sp>
+        <p:nvSpPr>
+          <p:cNvPr id="10" name="직사각형 9"/>
+          <p:cNvSpPr/>
+          <p:nvPr/>
+        </p:nvSpPr>
+        <p:spPr>
+          <a:xfrm>
+            <a:off x="3333509" y="4360416"/>
+            <a:ext cx="451413" cy="362055"/>
+          </a:xfrm>
+          <a:prstGeom prst="rect">
+            <a:avLst/>
+          </a:prstGeom>
+          <a:solidFill>
+            <a:schemeClr val="bg1"/>
+          </a:solidFill>
+          <a:ln>
+            <a:solidFill>
+              <a:schemeClr val="bg1"/>
+            </a:solidFill>
+          </a:ln>
+        </p:spPr>
+        <p:style>
+          <a:lnRef idx="2">
+            <a:schemeClr val="accent1">
+              <a:shade val="50000"/>
+            </a:schemeClr>
+          </a:lnRef>
+          <a:fillRef idx="1">
+            <a:schemeClr val="accent1"/>
+          </a:fillRef>
+          <a:effectRef idx="0">
+            <a:schemeClr val="accent1"/>
+          </a:effectRef>
+          <a:fontRef idx="minor">
+            <a:schemeClr val="lt1"/>
+          </a:fontRef>
+        </p:style>
+        <p:txBody>
+          <a:bodyPr rtlCol="0" anchor="ctr"/>
+          <a:lstStyle/>
+          <a:p>
+            <a:pPr algn="ctr"/>
+            <a:endParaRPr lang="ko-KR" altLang="en-US"/>
+          </a:p>
+        </p:txBody>
+      </p:sp>
     </p:spTree>
     <p:extLst>
       <p:ext uri="{BB962C8B-B14F-4D97-AF65-F5344CB8AC3E}">
@@ -12693,6 +13213,115 @@
 </file>
 
 <file path=ppt/slides/slide7.xml><?xml version="1.0" encoding="utf-8"?>
+<p:sld xmlns:a="http://schemas.openxmlformats.org/drawingml/2006/main" xmlns:r="http://schemas.openxmlformats.org/officeDocument/2006/relationships" xmlns:p="http://schemas.openxmlformats.org/presentationml/2006/main">
+  <p:cSld>
+    <p:spTree>
+      <p:nvGrpSpPr>
+        <p:cNvPr id="1" name=""/>
+        <p:cNvGrpSpPr/>
+        <p:nvPr/>
+      </p:nvGrpSpPr>
+      <p:grpSpPr>
+        <a:xfrm>
+          <a:off x="0" y="0"/>
+          <a:ext cx="0" cy="0"/>
+          <a:chOff x="0" y="0"/>
+          <a:chExt cx="0" cy="0"/>
+        </a:xfrm>
+      </p:grpSpPr>
+      <p:pic>
+        <p:nvPicPr>
+          <p:cNvPr id="2" name="그림 1"/>
+          <p:cNvPicPr>
+            <a:picLocks noChangeAspect="1"/>
+          </p:cNvPicPr>
+          <p:nvPr/>
+        </p:nvPicPr>
+        <p:blipFill>
+          <a:blip r:embed="rId2"/>
+          <a:stretch>
+            <a:fillRect/>
+          </a:stretch>
+        </p:blipFill>
+        <p:spPr>
+          <a:xfrm>
+            <a:off x="3232202" y="1218222"/>
+            <a:ext cx="5681714" cy="4942018"/>
+          </a:xfrm>
+          <a:prstGeom prst="rect">
+            <a:avLst/>
+          </a:prstGeom>
+        </p:spPr>
+      </p:pic>
+      <p:sp>
+        <p:nvSpPr>
+          <p:cNvPr id="3" name="矩形 9">
+            <a:extLst>
+              <a:ext uri="{FF2B5EF4-FFF2-40B4-BE49-F238E27FC236}">
+                <a16:creationId xmlns:a16="http://schemas.microsoft.com/office/drawing/2014/main" id="{7A300C78-2589-4F09-B093-850A10B5F87D}"/>
+              </a:ext>
+            </a:extLst>
+          </p:cNvPr>
+          <p:cNvSpPr/>
+          <p:nvPr/>
+        </p:nvSpPr>
+        <p:spPr>
+          <a:xfrm>
+            <a:off x="857464" y="252552"/>
+            <a:ext cx="3878003" cy="754334"/>
+          </a:xfrm>
+          <a:prstGeom prst="rect">
+            <a:avLst/>
+          </a:prstGeom>
+        </p:spPr>
+        <p:txBody>
+          <a:bodyPr wrap="none">
+            <a:noAutofit/>
+          </a:bodyPr>
+          <a:lstStyle/>
+          <a:p>
+            <a:r>
+              <a:rPr lang="ko-KR" altLang="en-US" sz="3200" b="1" dirty="0" smtClean="0">
+                <a:latin typeface="NanumGothic"/>
+                <a:ea typeface="NanumGothic"/>
+                <a:sym typeface="思源黑体旧字形 Light" panose="020B0300000000000000" pitchFamily="34" charset="-128"/>
+              </a:rPr>
+              <a:t>코드 설명</a:t>
+            </a:r>
+            <a:endParaRPr lang="ko-KO" altLang="ko-KO" sz="3200" b="1" dirty="0">
+              <a:latin typeface="NanumGothic"/>
+              <a:ea typeface="NanumGothic"/>
+              <a:sym typeface="思源黑体旧字形 Light" panose="020B0300000000000000" pitchFamily="34" charset="-128"/>
+            </a:endParaRPr>
+          </a:p>
+        </p:txBody>
+      </p:sp>
+    </p:spTree>
+    <p:extLst>
+      <p:ext uri="{BB962C8B-B14F-4D97-AF65-F5344CB8AC3E}">
+        <p14:creationId xmlns:p14="http://schemas.microsoft.com/office/powerpoint/2010/main" val="3707561564"/>
+      </p:ext>
+    </p:extLst>
+  </p:cSld>
+  <p:clrMapOvr>
+    <a:masterClrMapping/>
+  </p:clrMapOvr>
+  <mc:AlternateContent xmlns:mc="http://schemas.openxmlformats.org/markup-compatibility/2006" xmlns:p14="http://schemas.microsoft.com/office/powerpoint/2010/main">
+    <mc:Choice Requires="p14">
+      <p:transition spd="slow" p14:dur="1200" advTm="2000">
+        <p14:prism/>
+      </p:transition>
+    </mc:Choice>
+    <mc:Fallback xmlns:p159="http://schemas.microsoft.com/office/powerpoint/2015/09/main" xmlns:p15="http://schemas.microsoft.com/office/powerpoint/2012/main" xmlns:a14="http://schemas.microsoft.com/office/drawing/2010/main" xmlns:wp="http://schemas.openxmlformats.org/drawingml/2006/wordprocessingDrawing" xmlns:w="http://schemas.openxmlformats.org/wordprocessingml/2006/main" xmlns:m="http://schemas.openxmlformats.org/officeDocument/2006/math" xmlns="">
+      <p:transition spd="slow" advTm="2000">
+        <p:fade/>
+      </p:transition>
+    </mc:Fallback>
+  </mc:AlternateContent>
+</p:sld>
+</file>
+
+<file path=ppt/slides/slide8.xml><?xml version="1.0" encoding="utf-8"?>
 <p:sld xmlns:a="http://schemas.openxmlformats.org/drawingml/2006/main" xmlns:r="http://schemas.openxmlformats.org/officeDocument/2006/relationships" xmlns:p="http://schemas.openxmlformats.org/presentationml/2006/main">
   <p:cSld>
     <p:spTree>
@@ -12792,6 +13421,9 @@
           <a:prstGeom prst="actionButtonMovie">
             <a:avLst/>
           </a:prstGeom>
+          <a:solidFill>
+            <a:srgbClr val="00B050"/>
+          </a:solidFill>
         </p:spPr>
         <p:style>
           <a:lnRef idx="2">
@@ -12898,7 +13530,7 @@
 </p:sld>
 </file>
 
-<file path=ppt/slides/slide8.xml><?xml version="1.0" encoding="utf-8"?>
+<file path=ppt/slides/slide9.xml><?xml version="1.0" encoding="utf-8"?>
 <p:sld xmlns:a="http://schemas.openxmlformats.org/drawingml/2006/main" xmlns:r="http://schemas.openxmlformats.org/officeDocument/2006/relationships" xmlns:p="http://schemas.openxmlformats.org/presentationml/2006/main">
   <p:cSld>
     <p:spTree>
@@ -14510,456 +15142,6 @@
       <p:bldP spid="57" grpId="0"/>
     </p:bldLst>
   </p:timing>
-</p:sld>
-</file>
-
-<file path=ppt/slides/slide9.xml><?xml version="1.0" encoding="utf-8"?>
-<p:sld xmlns:a="http://schemas.openxmlformats.org/drawingml/2006/main" xmlns:r="http://schemas.openxmlformats.org/officeDocument/2006/relationships" xmlns:p="http://schemas.openxmlformats.org/presentationml/2006/main">
-  <p:cSld>
-    <p:spTree>
-      <p:nvGrpSpPr>
-        <p:cNvPr id="1" name=""/>
-        <p:cNvGrpSpPr/>
-        <p:nvPr/>
-      </p:nvGrpSpPr>
-      <p:grpSpPr>
-        <a:xfrm>
-          <a:off x="0" y="0"/>
-          <a:ext cx="0" cy="0"/>
-          <a:chOff x="0" y="0"/>
-          <a:chExt cx="0" cy="0"/>
-        </a:xfrm>
-      </p:grpSpPr>
-      <p:pic>
-        <p:nvPicPr>
-          <p:cNvPr id="3" name="그림 2"/>
-          <p:cNvPicPr>
-            <a:picLocks noChangeAspect="1"/>
-          </p:cNvPicPr>
-          <p:nvPr/>
-        </p:nvPicPr>
-        <p:blipFill>
-          <a:blip r:embed="rId2"/>
-          <a:stretch>
-            <a:fillRect/>
-          </a:stretch>
-        </p:blipFill>
-        <p:spPr>
-          <a:xfrm>
-            <a:off x="7101431" y="2015024"/>
-            <a:ext cx="4130398" cy="1265030"/>
-          </a:xfrm>
-          <a:prstGeom prst="rect">
-            <a:avLst/>
-          </a:prstGeom>
-        </p:spPr>
-      </p:pic>
-      <p:sp>
-        <p:nvSpPr>
-          <p:cNvPr id="4" name="타원 3"/>
-          <p:cNvSpPr/>
-          <p:nvPr/>
-        </p:nvSpPr>
-        <p:spPr>
-          <a:xfrm>
-            <a:off x="4190260" y="2725446"/>
-            <a:ext cx="230820" cy="248574"/>
-          </a:xfrm>
-          <a:prstGeom prst="ellipse">
-            <a:avLst/>
-          </a:prstGeom>
-          <a:solidFill>
-            <a:schemeClr val="bg1"/>
-          </a:solidFill>
-          <a:ln>
-            <a:solidFill>
-              <a:schemeClr val="bg1"/>
-            </a:solidFill>
-          </a:ln>
-        </p:spPr>
-        <p:style>
-          <a:lnRef idx="2">
-            <a:schemeClr val="accent1">
-              <a:shade val="50000"/>
-            </a:schemeClr>
-          </a:lnRef>
-          <a:fillRef idx="1">
-            <a:schemeClr val="accent1"/>
-          </a:fillRef>
-          <a:effectRef idx="0">
-            <a:schemeClr val="accent1"/>
-          </a:effectRef>
-          <a:fontRef idx="minor">
-            <a:schemeClr val="lt1"/>
-          </a:fontRef>
-        </p:style>
-        <p:txBody>
-          <a:bodyPr rtlCol="0" anchor="ctr"/>
-          <a:lstStyle/>
-          <a:p>
-            <a:pPr algn="ctr"/>
-            <a:endParaRPr lang="ko-KR" altLang="en-US">
-              <a:solidFill>
-                <a:schemeClr val="bg1"/>
-              </a:solidFill>
-            </a:endParaRPr>
-          </a:p>
-        </p:txBody>
-      </p:sp>
-      <p:sp>
-        <p:nvSpPr>
-          <p:cNvPr id="5" name="직사각형 4"/>
-          <p:cNvSpPr/>
-          <p:nvPr/>
-        </p:nvSpPr>
-        <p:spPr>
-          <a:xfrm>
-            <a:off x="3568823" y="2336329"/>
-            <a:ext cx="337351" cy="311210"/>
-          </a:xfrm>
-          <a:prstGeom prst="rect">
-            <a:avLst/>
-          </a:prstGeom>
-          <a:solidFill>
-            <a:schemeClr val="bg1"/>
-          </a:solidFill>
-          <a:ln>
-            <a:solidFill>
-              <a:schemeClr val="bg1"/>
-            </a:solidFill>
-          </a:ln>
-        </p:spPr>
-        <p:style>
-          <a:lnRef idx="2">
-            <a:schemeClr val="accent1">
-              <a:shade val="50000"/>
-            </a:schemeClr>
-          </a:lnRef>
-          <a:fillRef idx="1">
-            <a:schemeClr val="accent1"/>
-          </a:fillRef>
-          <a:effectRef idx="0">
-            <a:schemeClr val="accent1"/>
-          </a:effectRef>
-          <a:fontRef idx="minor">
-            <a:schemeClr val="lt1"/>
-          </a:fontRef>
-        </p:style>
-        <p:txBody>
-          <a:bodyPr rtlCol="0" anchor="ctr"/>
-          <a:lstStyle/>
-          <a:p>
-            <a:pPr algn="ctr"/>
-            <a:endParaRPr lang="ko-KR" altLang="en-US"/>
-          </a:p>
-        </p:txBody>
-      </p:sp>
-      <p:sp>
-        <p:nvSpPr>
-          <p:cNvPr id="6" name="오른쪽 화살표 5"/>
-          <p:cNvSpPr/>
-          <p:nvPr/>
-        </p:nvSpPr>
-        <p:spPr>
-          <a:xfrm>
-            <a:off x="5885896" y="2201662"/>
-            <a:ext cx="896645" cy="445877"/>
-          </a:xfrm>
-          <a:prstGeom prst="rightArrow">
-            <a:avLst/>
-          </a:prstGeom>
-          <a:effectLst>
-            <a:outerShdw blurRad="50800" dist="38100" dir="2700000" algn="tl" rotWithShape="0">
-              <a:prstClr val="black">
-                <a:alpha val="40000"/>
-              </a:prstClr>
-            </a:outerShdw>
-          </a:effectLst>
-        </p:spPr>
-        <p:style>
-          <a:lnRef idx="2">
-            <a:schemeClr val="accent1">
-              <a:shade val="50000"/>
-            </a:schemeClr>
-          </a:lnRef>
-          <a:fillRef idx="1">
-            <a:schemeClr val="accent1"/>
-          </a:fillRef>
-          <a:effectRef idx="0">
-            <a:schemeClr val="accent1"/>
-          </a:effectRef>
-          <a:fontRef idx="minor">
-            <a:schemeClr val="lt1"/>
-          </a:fontRef>
-        </p:style>
-        <p:txBody>
-          <a:bodyPr rtlCol="0" anchor="ctr"/>
-          <a:lstStyle/>
-          <a:p>
-            <a:pPr algn="ctr"/>
-            <a:endParaRPr lang="ko-KR" altLang="en-US"/>
-          </a:p>
-        </p:txBody>
-      </p:sp>
-      <p:sp>
-        <p:nvSpPr>
-          <p:cNvPr id="7" name="TextBox 6"/>
-          <p:cNvSpPr txBox="1"/>
-          <p:nvPr/>
-        </p:nvSpPr>
-        <p:spPr>
-          <a:xfrm>
-            <a:off x="1580931" y="3692843"/>
-            <a:ext cx="8477470" cy="2862322"/>
-          </a:xfrm>
-          <a:prstGeom prst="rect">
-            <a:avLst/>
-          </a:prstGeom>
-          <a:noFill/>
-        </p:spPr>
-        <p:txBody>
-          <a:bodyPr wrap="square" rtlCol="0">
-            <a:spAutoFit/>
-          </a:bodyPr>
-          <a:lstStyle/>
-          <a:p>
-            <a:r>
-              <a:rPr lang="ko-KR" altLang="en-US" dirty="0" smtClean="0"/>
-              <a:t>초기에는 </a:t>
-            </a:r>
-            <a:r>
-              <a:rPr lang="en-US" altLang="ko-KR" dirty="0" smtClean="0"/>
-              <a:t>rand</a:t>
-            </a:r>
-            <a:r>
-              <a:rPr lang="ko-KR" altLang="en-US" dirty="0" smtClean="0"/>
-              <a:t>함수를 사용하여 </a:t>
-            </a:r>
-            <a:r>
-              <a:rPr lang="en-US" altLang="ko-KR" dirty="0" smtClean="0"/>
-              <a:t>1</a:t>
-            </a:r>
-            <a:r>
-              <a:rPr lang="ko-KR" altLang="en-US" dirty="0" smtClean="0"/>
-              <a:t>부터 </a:t>
-            </a:r>
-            <a:r>
-              <a:rPr lang="en-US" altLang="ko-KR" dirty="0" smtClean="0"/>
-              <a:t>9</a:t>
-            </a:r>
-            <a:r>
-              <a:rPr lang="ko-KR" altLang="en-US" dirty="0" smtClean="0"/>
-              <a:t>까지의 숫자를 </a:t>
-            </a:r>
-            <a:r>
-              <a:rPr lang="en-US" altLang="ko-KR" dirty="0" err="1" smtClean="0"/>
-              <a:t>com_num</a:t>
-            </a:r>
-            <a:r>
-              <a:rPr lang="ko-KR" altLang="en-US" dirty="0" smtClean="0"/>
-              <a:t>에 </a:t>
-            </a:r>
-            <a:r>
-              <a:rPr lang="ko-KR" altLang="en-US" dirty="0" err="1" smtClean="0"/>
-              <a:t>입력받았다</a:t>
-            </a:r>
-            <a:r>
-              <a:rPr lang="en-US" altLang="ko-KR" dirty="0" smtClean="0"/>
-              <a:t>. </a:t>
-            </a:r>
-            <a:r>
-              <a:rPr lang="ko-KR" altLang="en-US" dirty="0" smtClean="0"/>
-              <a:t>그 후 </a:t>
-            </a:r>
-            <a:r>
-              <a:rPr lang="en-US" altLang="ko-KR" dirty="0" smtClean="0"/>
-              <a:t>unique</a:t>
-            </a:r>
-            <a:r>
-              <a:rPr lang="ko-KR" altLang="en-US" dirty="0" smtClean="0"/>
-              <a:t>함수를 통해 중복을 제거하는 방식으로 코드를 작성했다</a:t>
-            </a:r>
-            <a:r>
-              <a:rPr lang="en-US" altLang="ko-KR" dirty="0" smtClean="0"/>
-              <a:t>.</a:t>
-            </a:r>
-          </a:p>
-          <a:p>
-            <a:endParaRPr lang="en-US" altLang="ko-KR" dirty="0" smtClean="0"/>
-          </a:p>
-          <a:p>
-            <a:r>
-              <a:rPr lang="ko-KR" altLang="en-US" dirty="0" smtClean="0"/>
-              <a:t>하지만 중복 제거 코드의 길이가 상당히 길어졌고</a:t>
-            </a:r>
-            <a:r>
-              <a:rPr lang="en-US" altLang="ko-KR" dirty="0" smtClean="0"/>
-              <a:t>, </a:t>
-            </a:r>
-            <a:r>
-              <a:rPr lang="ko-KR" altLang="en-US" dirty="0" smtClean="0"/>
-              <a:t>이를 개선하기 위해 </a:t>
-            </a:r>
-            <a:r>
-              <a:rPr lang="en-US" altLang="ko-KR" dirty="0" smtClean="0"/>
-              <a:t>algorithm </a:t>
-            </a:r>
-            <a:r>
-              <a:rPr lang="ko-KR" altLang="en-US" dirty="0" smtClean="0"/>
-              <a:t>라이브러리의 </a:t>
-            </a:r>
-            <a:r>
-              <a:rPr lang="en-US" altLang="ko-KR" dirty="0" err="1" smtClean="0"/>
-              <a:t>random_shuffle</a:t>
-            </a:r>
-            <a:r>
-              <a:rPr lang="ko-KR" altLang="en-US" dirty="0" smtClean="0"/>
-              <a:t>함수를 사용하여</a:t>
-            </a:r>
-            <a:r>
-              <a:rPr lang="en-US" altLang="ko-KR" dirty="0" smtClean="0"/>
-              <a:t> </a:t>
-            </a:r>
-            <a:r>
-              <a:rPr lang="ko-KR" altLang="en-US" dirty="0" smtClean="0"/>
-              <a:t>벡터를 무작위로 섞는 방식을 선정했다</a:t>
-            </a:r>
-            <a:r>
-              <a:rPr lang="en-US" altLang="ko-KR" dirty="0" smtClean="0"/>
-              <a:t>.</a:t>
-            </a:r>
-          </a:p>
-          <a:p>
-            <a:r>
-              <a:rPr lang="ko-KR" altLang="en-US" dirty="0" smtClean="0"/>
-              <a:t>그런 다음 </a:t>
-            </a:r>
-            <a:r>
-              <a:rPr lang="en-US" altLang="ko-KR" dirty="0" smtClean="0"/>
-              <a:t>If</a:t>
-            </a:r>
-            <a:r>
-              <a:rPr lang="ko-KR" altLang="en-US" dirty="0" smtClean="0"/>
-              <a:t>문을 사용하여 무작위로 섞인 </a:t>
-            </a:r>
-            <a:r>
-              <a:rPr lang="en-US" altLang="ko-KR" dirty="0" smtClean="0"/>
-              <a:t>v1</a:t>
-            </a:r>
-            <a:r>
-              <a:rPr lang="ko-KR" altLang="en-US" dirty="0" smtClean="0"/>
-              <a:t>벡터의 </a:t>
-            </a:r>
-            <a:r>
-              <a:rPr lang="en-US" altLang="ko-KR" dirty="0" smtClean="0"/>
-              <a:t>0,1,2</a:t>
-            </a:r>
-            <a:r>
-              <a:rPr lang="ko-KR" altLang="en-US" dirty="0" smtClean="0"/>
-              <a:t>번 인덱스에 해당하는 값을 추출하여 중복을 제거했다</a:t>
-            </a:r>
-            <a:r>
-              <a:rPr lang="en-US" altLang="ko-KR" dirty="0" smtClean="0"/>
-              <a:t>.</a:t>
-            </a:r>
-          </a:p>
-          <a:p>
-            <a:endParaRPr lang="en-US" altLang="ko-KR" dirty="0"/>
-          </a:p>
-          <a:p>
-            <a:endParaRPr lang="ko-KR" altLang="en-US" dirty="0"/>
-          </a:p>
-        </p:txBody>
-      </p:sp>
-      <p:pic>
-        <p:nvPicPr>
-          <p:cNvPr id="8" name="그림 7"/>
-          <p:cNvPicPr>
-            <a:picLocks noChangeAspect="1"/>
-          </p:cNvPicPr>
-          <p:nvPr/>
-        </p:nvPicPr>
-        <p:blipFill>
-          <a:blip r:embed="rId3"/>
-          <a:stretch>
-            <a:fillRect/>
-          </a:stretch>
-        </p:blipFill>
-        <p:spPr>
-          <a:xfrm>
-            <a:off x="1737033" y="1795059"/>
-            <a:ext cx="3663579" cy="1356514"/>
-          </a:xfrm>
-          <a:prstGeom prst="rect">
-            <a:avLst/>
-          </a:prstGeom>
-        </p:spPr>
-      </p:pic>
-      <p:sp>
-        <p:nvSpPr>
-          <p:cNvPr id="10" name="矩形 9">
-            <a:extLst>
-              <a:ext uri="{FF2B5EF4-FFF2-40B4-BE49-F238E27FC236}">
-                <a16:creationId xmlns:a16="http://schemas.microsoft.com/office/drawing/2014/main" id="{7A300C78-2589-4F09-B093-850A10B5F87D}"/>
-              </a:ext>
-            </a:extLst>
-          </p:cNvPr>
-          <p:cNvSpPr/>
-          <p:nvPr/>
-        </p:nvSpPr>
-        <p:spPr>
-          <a:xfrm>
-            <a:off x="827161" y="224657"/>
-            <a:ext cx="3878003" cy="754334"/>
-          </a:xfrm>
-          <a:prstGeom prst="rect">
-            <a:avLst/>
-          </a:prstGeom>
-        </p:spPr>
-        <p:txBody>
-          <a:bodyPr wrap="none">
-            <a:noAutofit/>
-          </a:bodyPr>
-          <a:lstStyle/>
-          <a:p>
-            <a:r>
-              <a:rPr lang="ko-KR" altLang="en-US" sz="3200" b="1" dirty="0" smtClean="0">
-                <a:latin typeface="NanumGothic"/>
-                <a:ea typeface="NanumGothic"/>
-                <a:sym typeface="思源黑体旧字形 Light" panose="020B0300000000000000" pitchFamily="34" charset="-128"/>
-              </a:rPr>
-              <a:t>코드 개선</a:t>
-            </a:r>
-            <a:endParaRPr lang="ko-KO" altLang="ko-KO" sz="3200" b="1" dirty="0">
-              <a:latin typeface="NanumGothic"/>
-              <a:ea typeface="NanumGothic"/>
-              <a:sym typeface="思源黑体旧字形 Light" panose="020B0300000000000000" pitchFamily="34" charset="-128"/>
-            </a:endParaRPr>
-          </a:p>
-        </p:txBody>
-      </p:sp>
-    </p:spTree>
-    <p:extLst>
-      <p:ext uri="{BB962C8B-B14F-4D97-AF65-F5344CB8AC3E}">
-        <p14:creationId xmlns:p14="http://schemas.microsoft.com/office/powerpoint/2010/main" val="2286485262"/>
-      </p:ext>
-    </p:extLst>
-  </p:cSld>
-  <p:clrMapOvr>
-    <a:masterClrMapping/>
-  </p:clrMapOvr>
-  <mc:AlternateContent xmlns:mc="http://schemas.openxmlformats.org/markup-compatibility/2006" xmlns:p14="http://schemas.microsoft.com/office/powerpoint/2010/main">
-    <mc:Choice Requires="p14">
-      <p:transition spd="slow" p14:dur="1200" advTm="2000">
-        <p14:prism/>
-      </p:transition>
-    </mc:Choice>
-    <mc:Fallback xmlns:p159="http://schemas.microsoft.com/office/powerpoint/2015/09/main" xmlns:p15="http://schemas.microsoft.com/office/powerpoint/2012/main" xmlns:a14="http://schemas.microsoft.com/office/drawing/2010/main" xmlns:wp="http://schemas.openxmlformats.org/drawingml/2006/wordprocessingDrawing" xmlns:w="http://schemas.openxmlformats.org/wordprocessingml/2006/main" xmlns:m="http://schemas.openxmlformats.org/officeDocument/2006/math" xmlns="">
-      <p:transition spd="slow" advTm="2000">
-        <p:fade/>
-      </p:transition>
-    </mc:Fallback>
-  </mc:AlternateContent>
 </p:sld>
 </file>
 
